--- a/TTCN.pptx
+++ b/TTCN.pptx
@@ -128,6 +128,11 @@
       </a:defRPr>
     </a:lvl9pPr>
   </p:defaultTextStyle>
+  <p:extLst>
+    <p:ext uri="{EFAFB233-063F-42B5-8137-9DF3F51BA10A}">
+      <p15:sldGuideLst xmlns:p15="http://schemas.microsoft.com/office/powerpoint/2012/main"/>
+    </p:ext>
+  </p:extLst>
 </p:presentation>
 </file>
 
@@ -282,7 +287,7 @@
           <a:p>
             <a:fld id="{52A93778-F3BD-4F66-99C7-576AA02B1974}" type="datetimeFigureOut">
               <a:rPr lang="en-US" smtClean="0"/>
-              <a:t>12/11/2019</a:t>
+              <a:t>12/12/2019</a:t>
             </a:fld>
             <a:endParaRPr lang="en-US"/>
           </a:p>
@@ -493,7 +498,7 @@
           <a:p>
             <a:fld id="{52A93778-F3BD-4F66-99C7-576AA02B1974}" type="datetimeFigureOut">
               <a:rPr lang="en-US" smtClean="0"/>
-              <a:t>12/11/2019</a:t>
+              <a:t>12/12/2019</a:t>
             </a:fld>
             <a:endParaRPr lang="en-US"/>
           </a:p>
@@ -708,7 +713,7 @@
           <a:p>
             <a:fld id="{52A93778-F3BD-4F66-99C7-576AA02B1974}" type="datetimeFigureOut">
               <a:rPr lang="en-US" smtClean="0"/>
-              <a:t>12/11/2019</a:t>
+              <a:t>12/12/2019</a:t>
             </a:fld>
             <a:endParaRPr lang="en-US"/>
           </a:p>
@@ -909,7 +914,7 @@
           <a:p>
             <a:fld id="{52A93778-F3BD-4F66-99C7-576AA02B1974}" type="datetimeFigureOut">
               <a:rPr lang="en-US" smtClean="0"/>
-              <a:t>12/11/2019</a:t>
+              <a:t>12/12/2019</a:t>
             </a:fld>
             <a:endParaRPr lang="en-US"/>
           </a:p>
@@ -1188,7 +1193,7 @@
           <a:p>
             <a:fld id="{52A93778-F3BD-4F66-99C7-576AA02B1974}" type="datetimeFigureOut">
               <a:rPr lang="en-US" smtClean="0"/>
-              <a:t>12/11/2019</a:t>
+              <a:t>12/12/2019</a:t>
             </a:fld>
             <a:endParaRPr lang="en-US"/>
           </a:p>
@@ -1456,7 +1461,7 @@
           <a:p>
             <a:fld id="{52A93778-F3BD-4F66-99C7-576AA02B1974}" type="datetimeFigureOut">
               <a:rPr lang="en-US" smtClean="0"/>
-              <a:t>12/11/2019</a:t>
+              <a:t>12/12/2019</a:t>
             </a:fld>
             <a:endParaRPr lang="en-US"/>
           </a:p>
@@ -1872,7 +1877,7 @@
           <a:p>
             <a:fld id="{52A93778-F3BD-4F66-99C7-576AA02B1974}" type="datetimeFigureOut">
               <a:rPr lang="en-US" smtClean="0"/>
-              <a:t>12/11/2019</a:t>
+              <a:t>12/12/2019</a:t>
             </a:fld>
             <a:endParaRPr lang="en-US"/>
           </a:p>
@@ -2021,7 +2026,7 @@
           <a:p>
             <a:fld id="{52A93778-F3BD-4F66-99C7-576AA02B1974}" type="datetimeFigureOut">
               <a:rPr lang="en-US" smtClean="0"/>
-              <a:t>12/11/2019</a:t>
+              <a:t>12/12/2019</a:t>
             </a:fld>
             <a:endParaRPr lang="en-US"/>
           </a:p>
@@ -2147,7 +2152,7 @@
           <a:p>
             <a:fld id="{52A93778-F3BD-4F66-99C7-576AA02B1974}" type="datetimeFigureOut">
               <a:rPr lang="en-US" smtClean="0"/>
-              <a:t>12/11/2019</a:t>
+              <a:t>12/12/2019</a:t>
             </a:fld>
             <a:endParaRPr lang="en-US"/>
           </a:p>
@@ -2398,7 +2403,7 @@
           <a:p>
             <a:fld id="{52A93778-F3BD-4F66-99C7-576AA02B1974}" type="datetimeFigureOut">
               <a:rPr lang="en-US" smtClean="0"/>
-              <a:t>12/11/2019</a:t>
+              <a:t>12/12/2019</a:t>
             </a:fld>
             <a:endParaRPr lang="en-US"/>
           </a:p>
@@ -2843,7 +2848,7 @@
           <a:p>
             <a:fld id="{52A93778-F3BD-4F66-99C7-576AA02B1974}" type="datetimeFigureOut">
               <a:rPr lang="en-US" smtClean="0"/>
-              <a:t>12/11/2019</a:t>
+              <a:t>12/12/2019</a:t>
             </a:fld>
             <a:endParaRPr lang="en-US"/>
           </a:p>
@@ -3170,7 +3175,7 @@
           <a:p>
             <a:fld id="{52A93778-F3BD-4F66-99C7-576AA02B1974}" type="datetimeFigureOut">
               <a:rPr lang="en-US" smtClean="0"/>
-              <a:t>12/11/2019</a:t>
+              <a:t>12/12/2019</a:t>
             </a:fld>
             <a:endParaRPr lang="en-US"/>
           </a:p>
@@ -9060,36 +9065,30 @@
       </p:sp>
       <p:pic>
         <p:nvPicPr>
-          <p:cNvPr id="7" name="Content Placeholder 6">
+          <p:cNvPr id="5" name="Content Placeholder 4">
             <a:extLst>
               <a:ext uri="{FF2B5EF4-FFF2-40B4-BE49-F238E27FC236}">
-                <a16:creationId xmlns:a16="http://schemas.microsoft.com/office/drawing/2014/main" id="{3345916C-7DEE-486F-9317-5F048DAE8992}"/>
+                <a16:creationId xmlns:a16="http://schemas.microsoft.com/office/drawing/2014/main" id="{2C19618D-1936-404E-81CD-DB0ABAA48B5D}"/>
               </a:ext>
             </a:extLst>
           </p:cNvPr>
           <p:cNvPicPr>
-            <a:picLocks noGrp="1"/>
+            <a:picLocks noGrp="1" noChangeAspect="1"/>
           </p:cNvPicPr>
           <p:nvPr>
             <p:ph idx="1"/>
           </p:nvPr>
         </p:nvPicPr>
         <p:blipFill>
-          <a:blip r:embed="rId2" cstate="print">
-            <a:extLst>
-              <a:ext uri="{28A0092B-C50C-407E-A947-70E740481C1C}">
-                <a14:useLocalDpi xmlns:a14="http://schemas.microsoft.com/office/drawing/2010/main" val="0"/>
-              </a:ext>
-            </a:extLst>
-          </a:blip>
+          <a:blip r:embed="rId2"/>
           <a:stretch>
             <a:fillRect/>
           </a:stretch>
         </p:blipFill>
         <p:spPr>
           <a:xfrm>
-            <a:off x="2121763" y="2032986"/>
-            <a:ext cx="8584707" cy="3355759"/>
+            <a:off x="1793288" y="2016125"/>
+            <a:ext cx="8913181" cy="3449638"/>
           </a:xfrm>
           <a:prstGeom prst="rect">
             <a:avLst/>
@@ -11734,6 +11733,34 @@
                 <a:latin typeface="Arial" panose="020B0604020202020204" pitchFamily="34" charset="0"/>
                 <a:cs typeface="Arial" panose="020B0604020202020204" pitchFamily="34" charset="0"/>
               </a:rPr>
+              <a:t>trực</a:t>
+            </a:r>
+            <a:r>
+              <a:rPr lang="en-US" dirty="0">
+                <a:latin typeface="Arial" panose="020B0604020202020204" pitchFamily="34" charset="0"/>
+                <a:cs typeface="Arial" panose="020B0604020202020204" pitchFamily="34" charset="0"/>
+              </a:rPr>
+              <a:t> </a:t>
+            </a:r>
+            <a:r>
+              <a:rPr lang="en-US" dirty="0" err="1">
+                <a:latin typeface="Arial" panose="020B0604020202020204" pitchFamily="34" charset="0"/>
+                <a:cs typeface="Arial" panose="020B0604020202020204" pitchFamily="34" charset="0"/>
+              </a:rPr>
+              <a:t>tuyến</a:t>
+            </a:r>
+            <a:r>
+              <a:rPr lang="en-US" dirty="0">
+                <a:latin typeface="Arial" panose="020B0604020202020204" pitchFamily="34" charset="0"/>
+                <a:cs typeface="Arial" panose="020B0604020202020204" pitchFamily="34" charset="0"/>
+              </a:rPr>
+              <a:t> </a:t>
+            </a:r>
+            <a:r>
+              <a:rPr lang="en-US" dirty="0" err="1">
+                <a:latin typeface="Arial" panose="020B0604020202020204" pitchFamily="34" charset="0"/>
+                <a:cs typeface="Arial" panose="020B0604020202020204" pitchFamily="34" charset="0"/>
+              </a:rPr>
               <a:t>cho</a:t>
             </a:r>
             <a:r>
